--- a/arts/프레젠테이션1.pptx
+++ b/arts/프레젠테이션1.pptx
@@ -105,6 +105,11 @@
       </a:defRPr>
     </a:lvl9pPr>
   </p:defaultTextStyle>
+  <p:extLst>
+    <p:ext uri="{EFAFB233-063F-42B5-8137-9DF3F51BA10A}">
+      <p15:sldGuideLst xmlns:p15="http://schemas.microsoft.com/office/powerpoint/2012/main"/>
+    </p:ext>
+  </p:extLst>
 </p:presentation>
 </file>
 
@@ -239,7 +244,7 @@
           <a:p>
             <a:fld id="{3F5FE488-DE8A-4C9E-A5D9-03975819530F}" type="datetimeFigureOut">
               <a:rPr lang="en-US" smtClean="0"/>
-              <a:t>11/27/2021</a:t>
+              <a:t>12/30/2021</a:t>
             </a:fld>
             <a:endParaRPr lang="en-US"/>
           </a:p>
@@ -409,7 +414,7 @@
           <a:p>
             <a:fld id="{3F5FE488-DE8A-4C9E-A5D9-03975819530F}" type="datetimeFigureOut">
               <a:rPr lang="en-US" smtClean="0"/>
-              <a:t>11/27/2021</a:t>
+              <a:t>12/30/2021</a:t>
             </a:fld>
             <a:endParaRPr lang="en-US"/>
           </a:p>
@@ -589,7 +594,7 @@
           <a:p>
             <a:fld id="{3F5FE488-DE8A-4C9E-A5D9-03975819530F}" type="datetimeFigureOut">
               <a:rPr lang="en-US" smtClean="0"/>
-              <a:t>11/27/2021</a:t>
+              <a:t>12/30/2021</a:t>
             </a:fld>
             <a:endParaRPr lang="en-US"/>
           </a:p>
@@ -759,7 +764,7 @@
           <a:p>
             <a:fld id="{3F5FE488-DE8A-4C9E-A5D9-03975819530F}" type="datetimeFigureOut">
               <a:rPr lang="en-US" smtClean="0"/>
-              <a:t>11/27/2021</a:t>
+              <a:t>12/30/2021</a:t>
             </a:fld>
             <a:endParaRPr lang="en-US"/>
           </a:p>
@@ -1005,7 +1010,7 @@
           <a:p>
             <a:fld id="{3F5FE488-DE8A-4C9E-A5D9-03975819530F}" type="datetimeFigureOut">
               <a:rPr lang="en-US" smtClean="0"/>
-              <a:t>11/27/2021</a:t>
+              <a:t>12/30/2021</a:t>
             </a:fld>
             <a:endParaRPr lang="en-US"/>
           </a:p>
@@ -1237,7 +1242,7 @@
           <a:p>
             <a:fld id="{3F5FE488-DE8A-4C9E-A5D9-03975819530F}" type="datetimeFigureOut">
               <a:rPr lang="en-US" smtClean="0"/>
-              <a:t>11/27/2021</a:t>
+              <a:t>12/30/2021</a:t>
             </a:fld>
             <a:endParaRPr lang="en-US"/>
           </a:p>
@@ -1604,7 +1609,7 @@
           <a:p>
             <a:fld id="{3F5FE488-DE8A-4C9E-A5D9-03975819530F}" type="datetimeFigureOut">
               <a:rPr lang="en-US" smtClean="0"/>
-              <a:t>11/27/2021</a:t>
+              <a:t>12/30/2021</a:t>
             </a:fld>
             <a:endParaRPr lang="en-US"/>
           </a:p>
@@ -1722,7 +1727,7 @@
           <a:p>
             <a:fld id="{3F5FE488-DE8A-4C9E-A5D9-03975819530F}" type="datetimeFigureOut">
               <a:rPr lang="en-US" smtClean="0"/>
-              <a:t>11/27/2021</a:t>
+              <a:t>12/30/2021</a:t>
             </a:fld>
             <a:endParaRPr lang="en-US"/>
           </a:p>
@@ -1817,7 +1822,7 @@
           <a:p>
             <a:fld id="{3F5FE488-DE8A-4C9E-A5D9-03975819530F}" type="datetimeFigureOut">
               <a:rPr lang="en-US" smtClean="0"/>
-              <a:t>11/27/2021</a:t>
+              <a:t>12/30/2021</a:t>
             </a:fld>
             <a:endParaRPr lang="en-US"/>
           </a:p>
@@ -2094,7 +2099,7 @@
           <a:p>
             <a:fld id="{3F5FE488-DE8A-4C9E-A5D9-03975819530F}" type="datetimeFigureOut">
               <a:rPr lang="en-US" smtClean="0"/>
-              <a:t>11/27/2021</a:t>
+              <a:t>12/30/2021</a:t>
             </a:fld>
             <a:endParaRPr lang="en-US"/>
           </a:p>
@@ -2347,7 +2352,7 @@
           <a:p>
             <a:fld id="{3F5FE488-DE8A-4C9E-A5D9-03975819530F}" type="datetimeFigureOut">
               <a:rPr lang="en-US" smtClean="0"/>
-              <a:t>11/27/2021</a:t>
+              <a:t>12/30/2021</a:t>
             </a:fld>
             <a:endParaRPr lang="en-US"/>
           </a:p>
@@ -2560,7 +2565,7 @@
           <a:p>
             <a:fld id="{3F5FE488-DE8A-4C9E-A5D9-03975819530F}" type="datetimeFigureOut">
               <a:rPr lang="en-US" smtClean="0"/>
-              <a:t>11/27/2021</a:t>
+              <a:t>12/30/2021</a:t>
             </a:fld>
             <a:endParaRPr lang="en-US"/>
           </a:p>
@@ -3043,7 +3048,7 @@
       </p:grpSpPr>
       <p:pic>
         <p:nvPicPr>
-          <p:cNvPr id="30" name="그림 29"/>
+          <p:cNvPr id="2" name="그림 1"/>
           <p:cNvPicPr>
             <a:picLocks noChangeAspect="1"/>
           </p:cNvPicPr>
@@ -3057,8 +3062,8 @@
         </p:blipFill>
         <p:spPr>
           <a:xfrm>
-            <a:off x="778010" y="0"/>
-            <a:ext cx="7826879" cy="6567447"/>
+            <a:off x="309583" y="199522"/>
+            <a:ext cx="6795033" cy="5606463"/>
           </a:xfrm>
           <a:prstGeom prst="rect">
             <a:avLst/>
@@ -3073,7 +3078,7 @@
         </p:nvSpPr>
         <p:spPr>
           <a:xfrm>
-            <a:off x="3631647" y="1987233"/>
+            <a:off x="3327900" y="1657750"/>
             <a:ext cx="1589895" cy="350203"/>
           </a:xfrm>
           <a:prstGeom prst="roundRect">
@@ -3127,7 +3132,7 @@
         </p:nvSpPr>
         <p:spPr>
           <a:xfrm>
-            <a:off x="5082556" y="2895165"/>
+            <a:off x="5728087" y="2993333"/>
             <a:ext cx="854208" cy="350203"/>
           </a:xfrm>
           <a:prstGeom prst="roundRect">
@@ -3181,7 +3186,7 @@
         </p:nvSpPr>
         <p:spPr>
           <a:xfrm>
-            <a:off x="3951541" y="3644317"/>
+            <a:off x="3484021" y="3381664"/>
             <a:ext cx="854208" cy="350203"/>
           </a:xfrm>
           <a:prstGeom prst="roundRect">
@@ -3235,7 +3240,7 @@
         </p:nvSpPr>
         <p:spPr>
           <a:xfrm>
-            <a:off x="4525633" y="4296390"/>
+            <a:off x="4363741" y="4046133"/>
             <a:ext cx="854208" cy="350203"/>
           </a:xfrm>
           <a:prstGeom prst="roundRect">
@@ -3289,7 +3294,7 @@
         </p:nvSpPr>
         <p:spPr>
           <a:xfrm>
-            <a:off x="1430669" y="2652551"/>
+            <a:off x="5645053" y="2233061"/>
             <a:ext cx="854208" cy="350203"/>
           </a:xfrm>
           <a:prstGeom prst="roundRect">
@@ -3343,7 +3348,7 @@
         </p:nvSpPr>
         <p:spPr>
           <a:xfrm>
-            <a:off x="1336360" y="1155857"/>
+            <a:off x="1303795" y="932314"/>
             <a:ext cx="1897034" cy="350203"/>
           </a:xfrm>
           <a:prstGeom prst="roundRect">
@@ -3391,14 +3396,14 @@
       </p:sp>
       <p:sp>
         <p:nvSpPr>
-          <p:cNvPr id="14" name="모서리가 둥근 직사각형 13"/>
+          <p:cNvPr id="15" name="모서리가 둥근 직사각형 14"/>
           <p:cNvSpPr/>
           <p:nvPr/>
         </p:nvSpPr>
         <p:spPr>
           <a:xfrm>
-            <a:off x="3037021" y="3070267"/>
-            <a:ext cx="1085827" cy="350203"/>
+            <a:off x="749719" y="2643130"/>
+            <a:ext cx="2214862" cy="350203"/>
           </a:xfrm>
           <a:prstGeom prst="roundRect">
             <a:avLst/>
@@ -3437,9 +3442,188 @@
             <a:pPr algn="ctr"/>
             <a:r>
               <a:rPr lang="en-US" sz="1400" dirty="0" smtClean="0"/>
-              <a:t>Select Pen</a:t>
+              <a:t>Drawing Mode / Select Pen</a:t>
             </a:r>
             <a:endParaRPr lang="en-US" sz="1400" dirty="0"/>
+          </a:p>
+        </p:txBody>
+      </p:sp>
+      <p:cxnSp>
+        <p:nvCxnSpPr>
+          <p:cNvPr id="4" name="직선 연결선 3"/>
+          <p:cNvCxnSpPr>
+            <a:endCxn id="15" idx="0"/>
+          </p:cNvCxnSpPr>
+          <p:nvPr/>
+        </p:nvCxnSpPr>
+        <p:spPr>
+          <a:xfrm flipH="1">
+            <a:off x="1857150" y="2233061"/>
+            <a:ext cx="193031" cy="410069"/>
+          </a:xfrm>
+          <a:prstGeom prst="line">
+            <a:avLst/>
+          </a:prstGeom>
+          <a:ln w="38100">
+            <a:solidFill>
+              <a:schemeClr val="bg1"/>
+            </a:solidFill>
+          </a:ln>
+        </p:spPr>
+        <p:style>
+          <a:lnRef idx="1">
+            <a:schemeClr val="accent1"/>
+          </a:lnRef>
+          <a:fillRef idx="0">
+            <a:schemeClr val="accent1"/>
+          </a:fillRef>
+          <a:effectRef idx="0">
+            <a:schemeClr val="accent1"/>
+          </a:effectRef>
+          <a:fontRef idx="minor">
+            <a:schemeClr val="tx1"/>
+          </a:fontRef>
+        </p:style>
+      </p:cxnSp>
+      <p:cxnSp>
+        <p:nvCxnSpPr>
+          <p:cNvPr id="16" name="직선 연결선 15"/>
+          <p:cNvCxnSpPr/>
+          <p:nvPr/>
+        </p:nvCxnSpPr>
+        <p:spPr>
+          <a:xfrm flipH="1">
+            <a:off x="2964582" y="2715714"/>
+            <a:ext cx="914399" cy="132450"/>
+          </a:xfrm>
+          <a:prstGeom prst="line">
+            <a:avLst/>
+          </a:prstGeom>
+          <a:ln w="38100">
+            <a:solidFill>
+              <a:schemeClr val="bg1"/>
+            </a:solidFill>
+          </a:ln>
+        </p:spPr>
+        <p:style>
+          <a:lnRef idx="1">
+            <a:schemeClr val="accent1"/>
+          </a:lnRef>
+          <a:fillRef idx="0">
+            <a:schemeClr val="accent1"/>
+          </a:fillRef>
+          <a:effectRef idx="0">
+            <a:schemeClr val="accent1"/>
+          </a:effectRef>
+          <a:fontRef idx="minor">
+            <a:schemeClr val="tx1"/>
+          </a:fontRef>
+        </p:style>
+      </p:cxnSp>
+      <p:cxnSp>
+        <p:nvCxnSpPr>
+          <p:cNvPr id="17" name="직선 연결선 16"/>
+          <p:cNvCxnSpPr>
+            <a:endCxn id="9" idx="1"/>
+          </p:cNvCxnSpPr>
+          <p:nvPr/>
+        </p:nvCxnSpPr>
+        <p:spPr>
+          <a:xfrm>
+            <a:off x="4782538" y="2781938"/>
+            <a:ext cx="945549" cy="386497"/>
+          </a:xfrm>
+          <a:prstGeom prst="line">
+            <a:avLst/>
+          </a:prstGeom>
+          <a:ln w="38100">
+            <a:solidFill>
+              <a:schemeClr val="bg1"/>
+            </a:solidFill>
+          </a:ln>
+        </p:spPr>
+        <p:style>
+          <a:lnRef idx="1">
+            <a:schemeClr val="accent1"/>
+          </a:lnRef>
+          <a:fillRef idx="0">
+            <a:schemeClr val="accent1"/>
+          </a:fillRef>
+          <a:effectRef idx="0">
+            <a:schemeClr val="accent1"/>
+          </a:effectRef>
+          <a:fontRef idx="minor">
+            <a:schemeClr val="tx1"/>
+          </a:fontRef>
+        </p:style>
+      </p:cxnSp>
+      <p:cxnSp>
+        <p:nvCxnSpPr>
+          <p:cNvPr id="19" name="직선 연결선 18"/>
+          <p:cNvCxnSpPr>
+            <a:endCxn id="12" idx="1"/>
+          </p:cNvCxnSpPr>
+          <p:nvPr/>
+        </p:nvCxnSpPr>
+        <p:spPr>
+          <a:xfrm flipV="1">
+            <a:off x="5393224" y="2408163"/>
+            <a:ext cx="251829" cy="307552"/>
+          </a:xfrm>
+          <a:prstGeom prst="line">
+            <a:avLst/>
+          </a:prstGeom>
+          <a:ln w="38100">
+            <a:solidFill>
+              <a:schemeClr val="bg1"/>
+            </a:solidFill>
+          </a:ln>
+        </p:spPr>
+        <p:style>
+          <a:lnRef idx="1">
+            <a:schemeClr val="accent1"/>
+          </a:lnRef>
+          <a:fillRef idx="0">
+            <a:schemeClr val="accent1"/>
+          </a:fillRef>
+          <a:effectRef idx="0">
+            <a:schemeClr val="accent1"/>
+          </a:effectRef>
+          <a:fontRef idx="minor">
+            <a:schemeClr val="tx1"/>
+          </a:fontRef>
+        </p:style>
+      </p:cxnSp>
+      <p:sp>
+        <p:nvSpPr>
+          <p:cNvPr id="22" name="TextBox 21"/>
+          <p:cNvSpPr txBox="1"/>
+          <p:nvPr/>
+        </p:nvSpPr>
+        <p:spPr>
+          <a:xfrm>
+            <a:off x="3807019" y="5206615"/>
+            <a:ext cx="3308278" cy="307777"/>
+          </a:xfrm>
+          <a:prstGeom prst="rect">
+            <a:avLst/>
+          </a:prstGeom>
+          <a:noFill/>
+        </p:spPr>
+        <p:txBody>
+          <a:bodyPr wrap="none" rtlCol="0">
+            <a:spAutoFit/>
+          </a:bodyPr>
+          <a:lstStyle/>
+          <a:p>
+            <a:r>
+              <a:rPr lang="en-US" sz="1400" dirty="0" smtClean="0"/>
+              <a:t>pictured by https</a:t>
+            </a:r>
+            <a:r>
+              <a:rPr lang="en-US" sz="1400" dirty="0"/>
+              <a:t>://keyboardsimulator.xyz/</a:t>
+            </a:r>
           </a:p>
         </p:txBody>
       </p:sp>
